--- a/pygame.pptx
+++ b/pygame.pptx
@@ -5,7 +5,7 @@
     <p:sldMasterId id="2147483648" r:id="rId1"/>
   </p:sldMasterIdLst>
   <p:notesMasterIdLst>
-    <p:notesMasterId r:id="rId24"/>
+    <p:notesMasterId r:id="rId25"/>
   </p:notesMasterIdLst>
   <p:sldIdLst>
     <p:sldId id="256" r:id="rId2"/>
@@ -25,11 +25,12 @@
     <p:sldId id="271" r:id="rId16"/>
     <p:sldId id="272" r:id="rId17"/>
     <p:sldId id="273" r:id="rId18"/>
-    <p:sldId id="274" r:id="rId19"/>
-    <p:sldId id="275" r:id="rId20"/>
-    <p:sldId id="276" r:id="rId21"/>
-    <p:sldId id="277" r:id="rId22"/>
-    <p:sldId id="262" r:id="rId23"/>
+    <p:sldId id="278" r:id="rId19"/>
+    <p:sldId id="274" r:id="rId20"/>
+    <p:sldId id="275" r:id="rId21"/>
+    <p:sldId id="276" r:id="rId22"/>
+    <p:sldId id="277" r:id="rId23"/>
+    <p:sldId id="262" r:id="rId24"/>
   </p:sldIdLst>
   <p:sldSz cx="12192000" cy="6858000"/>
   <p:notesSz cx="6858000" cy="9144000"/>
@@ -6103,7 +6104,7 @@
           <p:cNvPr id="2" name="제목 1">
             <a:extLst>
               <a:ext uri="{FF2B5EF4-FFF2-40B4-BE49-F238E27FC236}">
-                <a16:creationId xmlns:a16="http://schemas.microsoft.com/office/drawing/2014/main" id="{2D872C09-176D-4E04-A038-9AE148A6E960}"/>
+                <a16:creationId xmlns:a16="http://schemas.microsoft.com/office/drawing/2014/main" id="{AEB4D6AC-30C1-4478-B354-80A9EDEB4657}"/>
               </a:ext>
             </a:extLst>
           </p:cNvPr>
@@ -6119,41 +6120,69 @@
           <a:bodyPr/>
           <a:lstStyle/>
           <a:p>
-            <a:endParaRPr lang="ko-KR" altLang="en-US"/>
-          </a:p>
-        </p:txBody>
-      </p:sp>
-      <p:sp>
-        <p:nvSpPr>
-          <p:cNvPr id="3" name="내용 개체 틀 2">
-            <a:extLst>
-              <a:ext uri="{FF2B5EF4-FFF2-40B4-BE49-F238E27FC236}">
-                <a16:creationId xmlns:a16="http://schemas.microsoft.com/office/drawing/2014/main" id="{768CB50F-8DCC-48D6-B9AF-F1F3FC6D984D}"/>
-              </a:ext>
-            </a:extLst>
-          </p:cNvPr>
-          <p:cNvSpPr>
-            <a:spLocks noGrp="1"/>
-          </p:cNvSpPr>
+            <a:r>
+              <a:rPr lang="en-US" altLang="ko-KR" dirty="0"/>
+              <a:t>1-11. </a:t>
+            </a:r>
+            <a:r>
+              <a:rPr lang="ko-KR" altLang="en-US" dirty="0"/>
+              <a:t>제목표시줄 변경</a:t>
+            </a:r>
+          </a:p>
+        </p:txBody>
+      </p:sp>
+      <p:pic>
+        <p:nvPicPr>
+          <p:cNvPr id="7" name="내용 개체 틀 6">
+            <a:extLst>
+              <a:ext uri="{FF2B5EF4-FFF2-40B4-BE49-F238E27FC236}">
+                <a16:creationId xmlns:a16="http://schemas.microsoft.com/office/drawing/2014/main" id="{76803AA3-8DCE-4A40-ABFF-7F2CF564119C}"/>
+              </a:ext>
+            </a:extLst>
+          </p:cNvPr>
+          <p:cNvPicPr>
+            <a:picLocks noGrp="1" noChangeAspect="1"/>
+          </p:cNvPicPr>
           <p:nvPr>
             <p:ph idx="1"/>
           </p:nvPr>
-        </p:nvSpPr>
-        <p:spPr/>
-        <p:txBody>
-          <a:bodyPr/>
-          <a:lstStyle/>
-          <a:p>
-            <a:endParaRPr lang="ko-KR" altLang="en-US"/>
-          </a:p>
-        </p:txBody>
-      </p:sp>
+        </p:nvPicPr>
+        <p:blipFill>
+          <a:blip r:embed="rId2"/>
+          <a:stretch>
+            <a:fillRect/>
+          </a:stretch>
+        </p:blipFill>
+        <p:spPr>
+          <a:xfrm>
+            <a:off x="971419" y="1942198"/>
+            <a:ext cx="7571329" cy="1665298"/>
+          </a:xfrm>
+          <a:prstGeom prst="rect">
+            <a:avLst/>
+          </a:prstGeom>
+          <a:ln w="38100" cap="sq">
+            <a:solidFill>
+              <a:srgbClr val="000000"/>
+            </a:solidFill>
+            <a:prstDash val="solid"/>
+            <a:miter lim="800000"/>
+          </a:ln>
+          <a:effectLst>
+            <a:outerShdw blurRad="50800" dist="38100" dir="2700000" algn="tl" rotWithShape="0">
+              <a:srgbClr val="000000">
+                <a:alpha val="43000"/>
+              </a:srgbClr>
+            </a:outerShdw>
+          </a:effectLst>
+        </p:spPr>
+      </p:pic>
       <p:cxnSp>
         <p:nvCxnSpPr>
-          <p:cNvPr id="4" name="직선 연결선 3">
-            <a:extLst>
-              <a:ext uri="{FF2B5EF4-FFF2-40B4-BE49-F238E27FC236}">
-                <a16:creationId xmlns:a16="http://schemas.microsoft.com/office/drawing/2014/main" id="{CC5C6F10-69FE-4C86-8775-B4181A3168D4}"/>
+          <p:cNvPr id="8" name="직선 연결선 7">
+            <a:extLst>
+              <a:ext uri="{FF2B5EF4-FFF2-40B4-BE49-F238E27FC236}">
+                <a16:creationId xmlns:a16="http://schemas.microsoft.com/office/drawing/2014/main" id="{DD065BB5-09E9-4079-9EBC-7E6B30DB8F7A}"/>
               </a:ext>
             </a:extLst>
           </p:cNvPr>
@@ -6189,10 +6218,10 @@
       </p:cxnSp>
       <p:cxnSp>
         <p:nvCxnSpPr>
-          <p:cNvPr id="5" name="직선 연결선 4">
-            <a:extLst>
-              <a:ext uri="{FF2B5EF4-FFF2-40B4-BE49-F238E27FC236}">
-                <a16:creationId xmlns:a16="http://schemas.microsoft.com/office/drawing/2014/main" id="{BED49535-3BDC-49AA-B42B-3F7F65684B22}"/>
+          <p:cNvPr id="9" name="직선 연결선 8">
+            <a:extLst>
+              <a:ext uri="{FF2B5EF4-FFF2-40B4-BE49-F238E27FC236}">
+                <a16:creationId xmlns:a16="http://schemas.microsoft.com/office/drawing/2014/main" id="{DAF44E59-3497-4448-9743-039B440F67FD}"/>
               </a:ext>
             </a:extLst>
           </p:cNvPr>
@@ -6231,10 +6260,122 @@
           </a:fontRef>
         </p:style>
       </p:cxnSp>
+      <p:sp>
+        <p:nvSpPr>
+          <p:cNvPr id="10" name="직사각형 9">
+            <a:extLst>
+              <a:ext uri="{FF2B5EF4-FFF2-40B4-BE49-F238E27FC236}">
+                <a16:creationId xmlns:a16="http://schemas.microsoft.com/office/drawing/2014/main" id="{CB4081DE-B63A-4AB8-BE8C-B3EF5970D8D6}"/>
+              </a:ext>
+            </a:extLst>
+          </p:cNvPr>
+          <p:cNvSpPr/>
+          <p:nvPr/>
+        </p:nvSpPr>
+        <p:spPr>
+          <a:xfrm>
+            <a:off x="2331134" y="2311277"/>
+            <a:ext cx="4558181" cy="379949"/>
+          </a:xfrm>
+          <a:prstGeom prst="rect">
+            <a:avLst/>
+          </a:prstGeom>
+          <a:noFill/>
+          <a:ln w="28575">
+            <a:solidFill>
+              <a:srgbClr val="FF0000"/>
+            </a:solidFill>
+          </a:ln>
+        </p:spPr>
+        <p:style>
+          <a:lnRef idx="2">
+            <a:schemeClr val="accent1">
+              <a:shade val="50000"/>
+            </a:schemeClr>
+          </a:lnRef>
+          <a:fillRef idx="1">
+            <a:schemeClr val="accent1"/>
+          </a:fillRef>
+          <a:effectRef idx="0">
+            <a:schemeClr val="accent1"/>
+          </a:effectRef>
+          <a:fontRef idx="minor">
+            <a:schemeClr val="lt1"/>
+          </a:fontRef>
+        </p:style>
+        <p:txBody>
+          <a:bodyPr rtlCol="0" anchor="ctr"/>
+          <a:lstStyle/>
+          <a:p>
+            <a:pPr algn="ctr"/>
+            <a:endParaRPr lang="ko-KR" altLang="en-US"/>
+          </a:p>
+        </p:txBody>
+      </p:sp>
+      <p:pic>
+        <p:nvPicPr>
+          <p:cNvPr id="11" name="그림 10">
+            <a:extLst>
+              <a:ext uri="{FF2B5EF4-FFF2-40B4-BE49-F238E27FC236}">
+                <a16:creationId xmlns:a16="http://schemas.microsoft.com/office/drawing/2014/main" id="{C7C7DE86-6B56-406F-B38C-FAF21DBA56B2}"/>
+              </a:ext>
+            </a:extLst>
+          </p:cNvPr>
+          <p:cNvPicPr>
+            <a:picLocks noChangeAspect="1"/>
+          </p:cNvPicPr>
+          <p:nvPr/>
+        </p:nvPicPr>
+        <p:blipFill>
+          <a:blip r:embed="rId3"/>
+          <a:stretch>
+            <a:fillRect/>
+          </a:stretch>
+        </p:blipFill>
+        <p:spPr>
+          <a:xfrm>
+            <a:off x="971419" y="4239212"/>
+            <a:ext cx="3819525" cy="2181225"/>
+          </a:xfrm>
+          <a:prstGeom prst="rect">
+            <a:avLst/>
+          </a:prstGeom>
+        </p:spPr>
+      </p:pic>
+      <p:pic>
+        <p:nvPicPr>
+          <p:cNvPr id="12" name="그림 11">
+            <a:extLst>
+              <a:ext uri="{FF2B5EF4-FFF2-40B4-BE49-F238E27FC236}">
+                <a16:creationId xmlns:a16="http://schemas.microsoft.com/office/drawing/2014/main" id="{9C1FF6EA-3F86-409B-8497-A5422F566D4D}"/>
+              </a:ext>
+            </a:extLst>
+          </p:cNvPr>
+          <p:cNvPicPr>
+            <a:picLocks noChangeAspect="1"/>
+          </p:cNvPicPr>
+          <p:nvPr/>
+        </p:nvPicPr>
+        <p:blipFill>
+          <a:blip r:embed="rId4"/>
+          <a:stretch>
+            <a:fillRect/>
+          </a:stretch>
+        </p:blipFill>
+        <p:spPr>
+          <a:xfrm>
+            <a:off x="5136061" y="4274344"/>
+            <a:ext cx="3829050" cy="2181225"/>
+          </a:xfrm>
+          <a:prstGeom prst="rect">
+            <a:avLst/>
+          </a:prstGeom>
+        </p:spPr>
+      </p:pic>
     </p:spTree>
     <p:extLst>
       <p:ext uri="{BB962C8B-B14F-4D97-AF65-F5344CB8AC3E}">
-        <p14:creationId xmlns:p14="http://schemas.microsoft.com/office/powerpoint/2010/main" val="145611425"/>
+        <p14:creationId xmlns:p14="http://schemas.microsoft.com/office/powerpoint/2010/main" val="3125288377"/>
       </p:ext>
     </p:extLst>
   </p:cSld>
@@ -6282,7 +6423,38 @@
           <a:bodyPr/>
           <a:lstStyle/>
           <a:p>
-            <a:endParaRPr lang="ko-KR" altLang="en-US"/>
+            <a:r>
+              <a:rPr lang="en-US" altLang="ko-KR" dirty="0"/>
+              <a:t>2. </a:t>
+            </a:r>
+            <a:r>
+              <a:rPr lang="ko-KR" altLang="en-US" dirty="0"/>
+              <a:t>이미지</a:t>
+            </a:r>
+            <a:r>
+              <a:rPr lang="en-US" altLang="ko-KR" dirty="0"/>
+              <a:t>(</a:t>
+            </a:r>
+            <a:r>
+              <a:rPr lang="ko-KR" altLang="en-US" dirty="0"/>
+              <a:t>도형</a:t>
+            </a:r>
+            <a:r>
+              <a:rPr lang="en-US" altLang="ko-KR" dirty="0"/>
+              <a:t>, </a:t>
+            </a:r>
+            <a:r>
+              <a:rPr lang="ko-KR" altLang="en-US" dirty="0"/>
+              <a:t>그림</a:t>
+            </a:r>
+            <a:r>
+              <a:rPr lang="en-US" altLang="ko-KR" dirty="0"/>
+              <a:t>) </a:t>
+            </a:r>
+            <a:r>
+              <a:rPr lang="ko-KR" altLang="en-US" dirty="0"/>
+              <a:t>그리기</a:t>
+            </a:r>
           </a:p>
         </p:txBody>
       </p:sp>
@@ -6304,10 +6476,102 @@
         </p:nvSpPr>
         <p:spPr/>
         <p:txBody>
-          <a:bodyPr/>
-          <a:lstStyle/>
-          <a:p>
-            <a:endParaRPr lang="ko-KR" altLang="en-US"/>
+          <a:bodyPr>
+            <a:normAutofit lnSpcReduction="10000"/>
+          </a:bodyPr>
+          <a:lstStyle/>
+          <a:p>
+            <a:r>
+              <a:rPr lang="en-US" altLang="ko-KR" dirty="0"/>
+              <a:t>pygame.draw</a:t>
+            </a:r>
+            <a:r>
+              <a:rPr lang="ko-KR" altLang="en-US" dirty="0"/>
+              <a:t> 모듈을 사용하여 표면</a:t>
+            </a:r>
+            <a:r>
+              <a:rPr lang="en-US" altLang="ko-KR" dirty="0"/>
+              <a:t>(screen)</a:t>
+            </a:r>
+            <a:r>
+              <a:rPr lang="ko-KR" altLang="en-US" dirty="0"/>
+              <a:t>에 간단한 모양을 그릴 수 있음</a:t>
+            </a:r>
+            <a:r>
+              <a:rPr lang="en-US" altLang="ko-KR" dirty="0"/>
+              <a:t>.</a:t>
+            </a:r>
+          </a:p>
+          <a:p>
+            <a:endParaRPr lang="en-US" altLang="ko-KR" dirty="0"/>
+          </a:p>
+          <a:p>
+            <a:r>
+              <a:rPr lang="ko-KR" altLang="en-US" dirty="0"/>
+              <a:t>직사각형</a:t>
+            </a:r>
+            <a:r>
+              <a:rPr lang="en-US" altLang="ko-KR" dirty="0"/>
+              <a:t>(rectangle)</a:t>
+            </a:r>
+          </a:p>
+          <a:p>
+            <a:r>
+              <a:rPr lang="ko-KR" altLang="en-US" dirty="0"/>
+              <a:t>다각형</a:t>
+            </a:r>
+            <a:r>
+              <a:rPr lang="en-US" altLang="ko-KR" dirty="0"/>
+              <a:t>(polygon)</a:t>
+            </a:r>
+          </a:p>
+          <a:p>
+            <a:r>
+              <a:rPr lang="ko-KR" altLang="en-US" dirty="0"/>
+              <a:t>원</a:t>
+            </a:r>
+            <a:r>
+              <a:rPr lang="en-US" altLang="ko-KR" dirty="0"/>
+              <a:t>(circle)</a:t>
+            </a:r>
+          </a:p>
+          <a:p>
+            <a:r>
+              <a:rPr lang="ko-KR" altLang="en-US" dirty="0"/>
+              <a:t>타원</a:t>
+            </a:r>
+            <a:r>
+              <a:rPr lang="en-US" altLang="ko-KR" dirty="0"/>
+              <a:t>(ellipse)</a:t>
+            </a:r>
+          </a:p>
+          <a:p>
+            <a:endParaRPr lang="en-US" altLang="ko-KR" dirty="0"/>
+          </a:p>
+          <a:p>
+            <a:pPr marL="0" indent="0">
+              <a:buNone/>
+            </a:pPr>
+            <a:r>
+              <a:rPr lang="en-US" altLang="ko-KR" dirty="0"/>
+              <a:t>=&gt;</a:t>
+            </a:r>
+            <a:r>
+              <a:rPr lang="ko-KR" altLang="en-US" dirty="0"/>
+              <a:t>변경된 영역의 경계를 지정하는 </a:t>
+            </a:r>
+            <a:r>
+              <a:rPr lang="en-US" altLang="ko-KR" dirty="0" err="1"/>
+              <a:t>Rect</a:t>
+            </a:r>
+            <a:r>
+              <a:rPr lang="en-US" altLang="ko-KR" dirty="0"/>
+              <a:t> </a:t>
+            </a:r>
+            <a:r>
+              <a:rPr lang="ko-KR" altLang="en-US" dirty="0"/>
+              <a:t>객체를 반환</a:t>
+            </a:r>
           </a:p>
         </p:txBody>
       </p:sp>
@@ -6394,10 +6658,148 @@
           </a:fontRef>
         </p:style>
       </p:cxnSp>
+      <p:pic>
+        <p:nvPicPr>
+          <p:cNvPr id="6" name="그림 5">
+            <a:extLst>
+              <a:ext uri="{FF2B5EF4-FFF2-40B4-BE49-F238E27FC236}">
+                <a16:creationId xmlns:a16="http://schemas.microsoft.com/office/drawing/2014/main" id="{C1669657-3A8F-4C9F-B263-88D5EC57C83E}"/>
+              </a:ext>
+            </a:extLst>
+          </p:cNvPr>
+          <p:cNvPicPr>
+            <a:picLocks noChangeAspect="1"/>
+          </p:cNvPicPr>
+          <p:nvPr/>
+        </p:nvPicPr>
+        <p:blipFill>
+          <a:blip r:embed="rId2"/>
+          <a:stretch>
+            <a:fillRect/>
+          </a:stretch>
+        </p:blipFill>
+        <p:spPr>
+          <a:xfrm>
+            <a:off x="4659102" y="3583379"/>
+            <a:ext cx="6657120" cy="1325555"/>
+          </a:xfrm>
+          <a:prstGeom prst="rect">
+            <a:avLst/>
+          </a:prstGeom>
+          <a:ln w="38100" cap="sq">
+            <a:solidFill>
+              <a:srgbClr val="000000"/>
+            </a:solidFill>
+            <a:prstDash val="solid"/>
+            <a:miter lim="800000"/>
+          </a:ln>
+          <a:effectLst>
+            <a:outerShdw blurRad="50800" dist="38100" dir="2700000" algn="tl" rotWithShape="0">
+              <a:srgbClr val="000000">
+                <a:alpha val="43000"/>
+              </a:srgbClr>
+            </a:outerShdw>
+          </a:effectLst>
+        </p:spPr>
+      </p:pic>
+      <p:sp>
+        <p:nvSpPr>
+          <p:cNvPr id="8" name="직사각형 7">
+            <a:extLst>
+              <a:ext uri="{FF2B5EF4-FFF2-40B4-BE49-F238E27FC236}">
+                <a16:creationId xmlns:a16="http://schemas.microsoft.com/office/drawing/2014/main" id="{D5A263E8-665B-4029-86BC-F1C61112A2E0}"/>
+              </a:ext>
+            </a:extLst>
+          </p:cNvPr>
+          <p:cNvSpPr/>
+          <p:nvPr/>
+        </p:nvSpPr>
+        <p:spPr>
+          <a:xfrm>
+            <a:off x="9132766" y="3734851"/>
+            <a:ext cx="650061" cy="379949"/>
+          </a:xfrm>
+          <a:prstGeom prst="rect">
+            <a:avLst/>
+          </a:prstGeom>
+          <a:noFill/>
+          <a:ln w="28575">
+            <a:solidFill>
+              <a:srgbClr val="FF0000"/>
+            </a:solidFill>
+          </a:ln>
+        </p:spPr>
+        <p:style>
+          <a:lnRef idx="2">
+            <a:schemeClr val="accent1">
+              <a:shade val="50000"/>
+            </a:schemeClr>
+          </a:lnRef>
+          <a:fillRef idx="1">
+            <a:schemeClr val="accent1"/>
+          </a:fillRef>
+          <a:effectRef idx="0">
+            <a:schemeClr val="accent1"/>
+          </a:effectRef>
+          <a:fontRef idx="minor">
+            <a:schemeClr val="lt1"/>
+          </a:fontRef>
+        </p:style>
+        <p:txBody>
+          <a:bodyPr rtlCol="0" anchor="ctr"/>
+          <a:lstStyle/>
+          <a:p>
+            <a:pPr algn="ctr"/>
+            <a:endParaRPr lang="ko-KR" altLang="en-US"/>
+          </a:p>
+        </p:txBody>
+      </p:sp>
+      <p:cxnSp>
+        <p:nvCxnSpPr>
+          <p:cNvPr id="12" name="직선 화살표 연결선 11">
+            <a:extLst>
+              <a:ext uri="{FF2B5EF4-FFF2-40B4-BE49-F238E27FC236}">
+                <a16:creationId xmlns:a16="http://schemas.microsoft.com/office/drawing/2014/main" id="{D2AE9258-37AC-4C8F-A9C7-98A3C40FFE26}"/>
+              </a:ext>
+            </a:extLst>
+          </p:cNvPr>
+          <p:cNvCxnSpPr/>
+          <p:nvPr/>
+        </p:nvCxnSpPr>
+        <p:spPr>
+          <a:xfrm flipV="1">
+            <a:off x="8592855" y="4114800"/>
+            <a:ext cx="864941" cy="1208762"/>
+          </a:xfrm>
+          <a:prstGeom prst="straightConnector1">
+            <a:avLst/>
+          </a:prstGeom>
+          <a:ln>
+            <a:solidFill>
+              <a:srgbClr val="FF0000"/>
+            </a:solidFill>
+            <a:tailEnd type="triangle"/>
+          </a:ln>
+        </p:spPr>
+        <p:style>
+          <a:lnRef idx="1">
+            <a:schemeClr val="accent1"/>
+          </a:lnRef>
+          <a:fillRef idx="0">
+            <a:schemeClr val="accent1"/>
+          </a:fillRef>
+          <a:effectRef idx="0">
+            <a:schemeClr val="accent1"/>
+          </a:effectRef>
+          <a:fontRef idx="minor">
+            <a:schemeClr val="tx1"/>
+          </a:fontRef>
+        </p:style>
+      </p:cxnSp>
     </p:spTree>
     <p:extLst>
       <p:ext uri="{BB962C8B-B14F-4D97-AF65-F5344CB8AC3E}">
-        <p14:creationId xmlns:p14="http://schemas.microsoft.com/office/powerpoint/2010/main" val="2798519434"/>
+        <p14:creationId xmlns:p14="http://schemas.microsoft.com/office/powerpoint/2010/main" val="145611425"/>
       </p:ext>
     </p:extLst>
   </p:cSld>
@@ -6676,38 +7078,54 @@
         </p:nvSpPr>
         <p:spPr/>
         <p:txBody>
-          <a:bodyPr/>
-          <a:lstStyle/>
-          <a:p>
-            <a:endParaRPr lang="ko-KR" altLang="en-US"/>
-          </a:p>
-        </p:txBody>
-      </p:sp>
-      <p:sp>
-        <p:nvSpPr>
-          <p:cNvPr id="3" name="내용 개체 틀 2">
-            <a:extLst>
-              <a:ext uri="{FF2B5EF4-FFF2-40B4-BE49-F238E27FC236}">
-                <a16:creationId xmlns:a16="http://schemas.microsoft.com/office/drawing/2014/main" id="{768CB50F-8DCC-48D6-B9AF-F1F3FC6D984D}"/>
-              </a:ext>
-            </a:extLst>
-          </p:cNvPr>
-          <p:cNvSpPr>
-            <a:spLocks noGrp="1"/>
-          </p:cNvSpPr>
+          <a:bodyPr>
+            <a:normAutofit/>
+          </a:bodyPr>
+          <a:lstStyle/>
+          <a:p>
+            <a:r>
+              <a:rPr lang="en-US" altLang="ko-KR" sz="3200" dirty="0"/>
+              <a:t>2-1. </a:t>
+            </a:r>
+            <a:r>
+              <a:rPr lang="ko-KR" altLang="en-US" sz="3200" dirty="0"/>
+              <a:t>채워 사각형과 외곽선만 있는 직사각형 그리기</a:t>
+            </a:r>
+          </a:p>
+        </p:txBody>
+      </p:sp>
+      <p:pic>
+        <p:nvPicPr>
+          <p:cNvPr id="6" name="내용 개체 틀 5">
+            <a:extLst>
+              <a:ext uri="{FF2B5EF4-FFF2-40B4-BE49-F238E27FC236}">
+                <a16:creationId xmlns:a16="http://schemas.microsoft.com/office/drawing/2014/main" id="{9A96E564-E444-4927-9F5A-B77F4FD1B441}"/>
+              </a:ext>
+            </a:extLst>
+          </p:cNvPr>
+          <p:cNvPicPr>
+            <a:picLocks noGrp="1" noChangeAspect="1"/>
+          </p:cNvPicPr>
           <p:nvPr>
             <p:ph idx="1"/>
           </p:nvPr>
-        </p:nvSpPr>
-        <p:spPr/>
-        <p:txBody>
-          <a:bodyPr/>
-          <a:lstStyle/>
-          <a:p>
-            <a:endParaRPr lang="ko-KR" altLang="en-US"/>
-          </a:p>
-        </p:txBody>
-      </p:sp>
+        </p:nvPicPr>
+        <p:blipFill>
+          <a:blip r:embed="rId2"/>
+          <a:stretch>
+            <a:fillRect/>
+          </a:stretch>
+        </p:blipFill>
+        <p:spPr>
+          <a:xfrm>
+            <a:off x="738719" y="1640908"/>
+            <a:ext cx="5048305" cy="5048305"/>
+          </a:xfrm>
+          <a:prstGeom prst="rect">
+            <a:avLst/>
+          </a:prstGeom>
+        </p:spPr>
+      </p:pic>
       <p:cxnSp>
         <p:nvCxnSpPr>
           <p:cNvPr id="4" name="직선 연결선 3">
@@ -6791,10 +7209,518 @@
           </a:fontRef>
         </p:style>
       </p:cxnSp>
+      <p:sp>
+        <p:nvSpPr>
+          <p:cNvPr id="7" name="직사각형 6">
+            <a:extLst>
+              <a:ext uri="{FF2B5EF4-FFF2-40B4-BE49-F238E27FC236}">
+                <a16:creationId xmlns:a16="http://schemas.microsoft.com/office/drawing/2014/main" id="{605832C9-4E1D-4A72-8089-7664E384B329}"/>
+              </a:ext>
+            </a:extLst>
+          </p:cNvPr>
+          <p:cNvSpPr/>
+          <p:nvPr/>
+        </p:nvSpPr>
+        <p:spPr>
+          <a:xfrm>
+            <a:off x="1127343" y="3670126"/>
+            <a:ext cx="4434213" cy="1415441"/>
+          </a:xfrm>
+          <a:prstGeom prst="rect">
+            <a:avLst/>
+          </a:prstGeom>
+          <a:noFill/>
+          <a:ln w="28575">
+            <a:solidFill>
+              <a:srgbClr val="FF0000"/>
+            </a:solidFill>
+          </a:ln>
+        </p:spPr>
+        <p:style>
+          <a:lnRef idx="2">
+            <a:schemeClr val="accent1">
+              <a:shade val="50000"/>
+            </a:schemeClr>
+          </a:lnRef>
+          <a:fillRef idx="1">
+            <a:schemeClr val="accent1"/>
+          </a:fillRef>
+          <a:effectRef idx="0">
+            <a:schemeClr val="accent1"/>
+          </a:effectRef>
+          <a:fontRef idx="minor">
+            <a:schemeClr val="lt1"/>
+          </a:fontRef>
+        </p:style>
+        <p:txBody>
+          <a:bodyPr rtlCol="0" anchor="ctr"/>
+          <a:lstStyle/>
+          <a:p>
+            <a:pPr algn="ctr"/>
+            <a:endParaRPr lang="ko-KR" altLang="en-US"/>
+          </a:p>
+        </p:txBody>
+      </p:sp>
+      <p:pic>
+        <p:nvPicPr>
+          <p:cNvPr id="8" name="그림 7">
+            <a:extLst>
+              <a:ext uri="{FF2B5EF4-FFF2-40B4-BE49-F238E27FC236}">
+                <a16:creationId xmlns:a16="http://schemas.microsoft.com/office/drawing/2014/main" id="{31DEBD30-5FAE-437A-A076-F2E78E74414B}"/>
+              </a:ext>
+            </a:extLst>
+          </p:cNvPr>
+          <p:cNvPicPr>
+            <a:picLocks noChangeAspect="1"/>
+          </p:cNvPicPr>
+          <p:nvPr/>
+        </p:nvPicPr>
+        <p:blipFill>
+          <a:blip r:embed="rId3"/>
+          <a:stretch>
+            <a:fillRect/>
+          </a:stretch>
+        </p:blipFill>
+        <p:spPr>
+          <a:xfrm>
+            <a:off x="5998922" y="1653436"/>
+            <a:ext cx="5972175" cy="2705100"/>
+          </a:xfrm>
+          <a:prstGeom prst="rect">
+            <a:avLst/>
+          </a:prstGeom>
+        </p:spPr>
+      </p:pic>
+      <p:cxnSp>
+        <p:nvCxnSpPr>
+          <p:cNvPr id="11" name="직선 화살표 연결선 10">
+            <a:extLst>
+              <a:ext uri="{FF2B5EF4-FFF2-40B4-BE49-F238E27FC236}">
+                <a16:creationId xmlns:a16="http://schemas.microsoft.com/office/drawing/2014/main" id="{FE56D453-231D-4BF0-9A8A-37FE5F6147E3}"/>
+              </a:ext>
+            </a:extLst>
+          </p:cNvPr>
+          <p:cNvCxnSpPr>
+            <a:cxnSpLocks/>
+          </p:cNvCxnSpPr>
+          <p:nvPr/>
+        </p:nvCxnSpPr>
+        <p:spPr>
+          <a:xfrm>
+            <a:off x="5998922" y="2885813"/>
+            <a:ext cx="1400168" cy="0"/>
+          </a:xfrm>
+          <a:prstGeom prst="straightConnector1">
+            <a:avLst/>
+          </a:prstGeom>
+          <a:ln>
+            <a:solidFill>
+              <a:srgbClr val="00B0F0"/>
+            </a:solidFill>
+            <a:headEnd type="triangle" w="med" len="med"/>
+            <a:tailEnd type="triangle" w="med" len="med"/>
+          </a:ln>
+        </p:spPr>
+        <p:style>
+          <a:lnRef idx="1">
+            <a:schemeClr val="accent1"/>
+          </a:lnRef>
+          <a:fillRef idx="0">
+            <a:schemeClr val="accent1"/>
+          </a:fillRef>
+          <a:effectRef idx="0">
+            <a:schemeClr val="accent1"/>
+          </a:effectRef>
+          <a:fontRef idx="minor">
+            <a:schemeClr val="tx1"/>
+          </a:fontRef>
+        </p:style>
+      </p:cxnSp>
+      <p:sp>
+        <p:nvSpPr>
+          <p:cNvPr id="12" name="TextBox 11">
+            <a:extLst>
+              <a:ext uri="{FF2B5EF4-FFF2-40B4-BE49-F238E27FC236}">
+                <a16:creationId xmlns:a16="http://schemas.microsoft.com/office/drawing/2014/main" id="{1DC165DC-62BA-41A0-834D-84EC508CB7B8}"/>
+              </a:ext>
+            </a:extLst>
+          </p:cNvPr>
+          <p:cNvSpPr txBox="1"/>
+          <p:nvPr/>
+        </p:nvSpPr>
+        <p:spPr>
+          <a:xfrm>
+            <a:off x="6442745" y="2887323"/>
+            <a:ext cx="564578" cy="369332"/>
+          </a:xfrm>
+          <a:prstGeom prst="rect">
+            <a:avLst/>
+          </a:prstGeom>
+          <a:noFill/>
+        </p:spPr>
+        <p:txBody>
+          <a:bodyPr wrap="none" rtlCol="0">
+            <a:spAutoFit/>
+          </a:bodyPr>
+          <a:lstStyle/>
+          <a:p>
+            <a:r>
+              <a:rPr lang="en-US" altLang="ko-KR" dirty="0"/>
+              <a:t>150</a:t>
+            </a:r>
+            <a:endParaRPr lang="ko-KR" altLang="en-US" dirty="0"/>
+          </a:p>
+        </p:txBody>
+      </p:sp>
+      <p:cxnSp>
+        <p:nvCxnSpPr>
+          <p:cNvPr id="14" name="직선 화살표 연결선 13">
+            <a:extLst>
+              <a:ext uri="{FF2B5EF4-FFF2-40B4-BE49-F238E27FC236}">
+                <a16:creationId xmlns:a16="http://schemas.microsoft.com/office/drawing/2014/main" id="{619C47DD-03F7-46D2-BF34-32877513B646}"/>
+              </a:ext>
+            </a:extLst>
+          </p:cNvPr>
+          <p:cNvCxnSpPr>
+            <a:cxnSpLocks/>
+          </p:cNvCxnSpPr>
+          <p:nvPr/>
+        </p:nvCxnSpPr>
+        <p:spPr>
+          <a:xfrm>
+            <a:off x="7415868" y="1891557"/>
+            <a:ext cx="0" cy="935533"/>
+          </a:xfrm>
+          <a:prstGeom prst="straightConnector1">
+            <a:avLst/>
+          </a:prstGeom>
+          <a:ln>
+            <a:headEnd type="triangle" w="med" len="med"/>
+            <a:tailEnd type="triangle" w="med" len="med"/>
+          </a:ln>
+        </p:spPr>
+        <p:style>
+          <a:lnRef idx="1">
+            <a:schemeClr val="accent1"/>
+          </a:lnRef>
+          <a:fillRef idx="0">
+            <a:schemeClr val="accent1"/>
+          </a:fillRef>
+          <a:effectRef idx="0">
+            <a:schemeClr val="accent1"/>
+          </a:effectRef>
+          <a:fontRef idx="minor">
+            <a:schemeClr val="tx1"/>
+          </a:fontRef>
+        </p:style>
+      </p:cxnSp>
+      <p:sp>
+        <p:nvSpPr>
+          <p:cNvPr id="15" name="TextBox 14">
+            <a:extLst>
+              <a:ext uri="{FF2B5EF4-FFF2-40B4-BE49-F238E27FC236}">
+                <a16:creationId xmlns:a16="http://schemas.microsoft.com/office/drawing/2014/main" id="{2AA4E9D7-40F6-4951-BB8F-4BC561ACFE7C}"/>
+              </a:ext>
+            </a:extLst>
+          </p:cNvPr>
+          <p:cNvSpPr txBox="1"/>
+          <p:nvPr/>
+        </p:nvSpPr>
+        <p:spPr>
+          <a:xfrm>
+            <a:off x="7415868" y="2198363"/>
+            <a:ext cx="564578" cy="369332"/>
+          </a:xfrm>
+          <a:prstGeom prst="rect">
+            <a:avLst/>
+          </a:prstGeom>
+          <a:noFill/>
+        </p:spPr>
+        <p:txBody>
+          <a:bodyPr wrap="none" rtlCol="0">
+            <a:spAutoFit/>
+          </a:bodyPr>
+          <a:lstStyle/>
+          <a:p>
+            <a:r>
+              <a:rPr lang="en-US" altLang="ko-KR" dirty="0"/>
+              <a:t>100</a:t>
+            </a:r>
+            <a:endParaRPr lang="ko-KR" altLang="en-US" dirty="0"/>
+          </a:p>
+        </p:txBody>
+      </p:sp>
+      <p:cxnSp>
+        <p:nvCxnSpPr>
+          <p:cNvPr id="16" name="직선 화살표 연결선 15">
+            <a:extLst>
+              <a:ext uri="{FF2B5EF4-FFF2-40B4-BE49-F238E27FC236}">
+                <a16:creationId xmlns:a16="http://schemas.microsoft.com/office/drawing/2014/main" id="{949AEA69-DA46-4D1A-9299-01A5E770EF25}"/>
+              </a:ext>
+            </a:extLst>
+          </p:cNvPr>
+          <p:cNvCxnSpPr>
+            <a:cxnSpLocks/>
+          </p:cNvCxnSpPr>
+          <p:nvPr/>
+        </p:nvCxnSpPr>
+        <p:spPr>
+          <a:xfrm>
+            <a:off x="8518143" y="1891557"/>
+            <a:ext cx="14859" cy="1922478"/>
+          </a:xfrm>
+          <a:prstGeom prst="straightConnector1">
+            <a:avLst/>
+          </a:prstGeom>
+          <a:ln>
+            <a:headEnd type="triangle" w="med" len="med"/>
+            <a:tailEnd type="triangle" w="med" len="med"/>
+          </a:ln>
+        </p:spPr>
+        <p:style>
+          <a:lnRef idx="1">
+            <a:schemeClr val="accent1"/>
+          </a:lnRef>
+          <a:fillRef idx="0">
+            <a:schemeClr val="accent1"/>
+          </a:fillRef>
+          <a:effectRef idx="0">
+            <a:schemeClr val="accent1"/>
+          </a:effectRef>
+          <a:fontRef idx="minor">
+            <a:schemeClr val="tx1"/>
+          </a:fontRef>
+        </p:style>
+      </p:cxnSp>
+      <p:cxnSp>
+        <p:nvCxnSpPr>
+          <p:cNvPr id="22" name="직선 화살표 연결선 21">
+            <a:extLst>
+              <a:ext uri="{FF2B5EF4-FFF2-40B4-BE49-F238E27FC236}">
+                <a16:creationId xmlns:a16="http://schemas.microsoft.com/office/drawing/2014/main" id="{98AD8A91-B630-4136-957D-2D75BB2E1114}"/>
+              </a:ext>
+            </a:extLst>
+          </p:cNvPr>
+          <p:cNvCxnSpPr>
+            <a:cxnSpLocks/>
+          </p:cNvCxnSpPr>
+          <p:nvPr/>
+        </p:nvCxnSpPr>
+        <p:spPr>
+          <a:xfrm>
+            <a:off x="5998922" y="3814035"/>
+            <a:ext cx="2534080" cy="0"/>
+          </a:xfrm>
+          <a:prstGeom prst="straightConnector1">
+            <a:avLst/>
+          </a:prstGeom>
+          <a:ln>
+            <a:solidFill>
+              <a:srgbClr val="00B0F0"/>
+            </a:solidFill>
+            <a:headEnd type="triangle" w="med" len="med"/>
+            <a:tailEnd type="triangle" w="med" len="med"/>
+          </a:ln>
+        </p:spPr>
+        <p:style>
+          <a:lnRef idx="1">
+            <a:schemeClr val="accent1"/>
+          </a:lnRef>
+          <a:fillRef idx="0">
+            <a:schemeClr val="accent1"/>
+          </a:fillRef>
+          <a:effectRef idx="0">
+            <a:schemeClr val="accent1"/>
+          </a:effectRef>
+          <a:fontRef idx="minor">
+            <a:schemeClr val="tx1"/>
+          </a:fontRef>
+        </p:style>
+      </p:cxnSp>
+      <p:sp>
+        <p:nvSpPr>
+          <p:cNvPr id="24" name="TextBox 23">
+            <a:extLst>
+              <a:ext uri="{FF2B5EF4-FFF2-40B4-BE49-F238E27FC236}">
+                <a16:creationId xmlns:a16="http://schemas.microsoft.com/office/drawing/2014/main" id="{D5898B7D-0023-4FF4-BC42-84F442A044DD}"/>
+              </a:ext>
+            </a:extLst>
+          </p:cNvPr>
+          <p:cNvSpPr txBox="1"/>
+          <p:nvPr/>
+        </p:nvSpPr>
+        <p:spPr>
+          <a:xfrm>
+            <a:off x="7007323" y="3827668"/>
+            <a:ext cx="564578" cy="369332"/>
+          </a:xfrm>
+          <a:prstGeom prst="rect">
+            <a:avLst/>
+          </a:prstGeom>
+          <a:noFill/>
+        </p:spPr>
+        <p:txBody>
+          <a:bodyPr wrap="none" rtlCol="0">
+            <a:spAutoFit/>
+          </a:bodyPr>
+          <a:lstStyle/>
+          <a:p>
+            <a:r>
+              <a:rPr lang="en-US" altLang="ko-KR" dirty="0"/>
+              <a:t>370</a:t>
+            </a:r>
+            <a:endParaRPr lang="ko-KR" altLang="en-US" dirty="0"/>
+          </a:p>
+        </p:txBody>
+      </p:sp>
+      <p:sp>
+        <p:nvSpPr>
+          <p:cNvPr id="28" name="TextBox 27">
+            <a:extLst>
+              <a:ext uri="{FF2B5EF4-FFF2-40B4-BE49-F238E27FC236}">
+                <a16:creationId xmlns:a16="http://schemas.microsoft.com/office/drawing/2014/main" id="{9F396F93-26BB-4704-9F1F-6A6A8BDD7BE6}"/>
+              </a:ext>
+            </a:extLst>
+          </p:cNvPr>
+          <p:cNvSpPr txBox="1"/>
+          <p:nvPr/>
+        </p:nvSpPr>
+        <p:spPr>
+          <a:xfrm>
+            <a:off x="8518143" y="2795927"/>
+            <a:ext cx="564578" cy="369332"/>
+          </a:xfrm>
+          <a:prstGeom prst="rect">
+            <a:avLst/>
+          </a:prstGeom>
+          <a:noFill/>
+        </p:spPr>
+        <p:txBody>
+          <a:bodyPr wrap="none" rtlCol="0">
+            <a:spAutoFit/>
+          </a:bodyPr>
+          <a:lstStyle/>
+          <a:p>
+            <a:r>
+              <a:rPr lang="en-US" altLang="ko-KR" dirty="0"/>
+              <a:t>200</a:t>
+            </a:r>
+            <a:endParaRPr lang="ko-KR" altLang="en-US" dirty="0"/>
+          </a:p>
+        </p:txBody>
+      </p:sp>
+      <p:sp>
+        <p:nvSpPr>
+          <p:cNvPr id="29" name="타원 28">
+            <a:extLst>
+              <a:ext uri="{FF2B5EF4-FFF2-40B4-BE49-F238E27FC236}">
+                <a16:creationId xmlns:a16="http://schemas.microsoft.com/office/drawing/2014/main" id="{B9D93FED-01F5-40D1-8A37-B5FDCD1FD320}"/>
+              </a:ext>
+            </a:extLst>
+          </p:cNvPr>
+          <p:cNvSpPr/>
+          <p:nvPr/>
+        </p:nvSpPr>
+        <p:spPr>
+          <a:xfrm>
+            <a:off x="7360786" y="2815555"/>
+            <a:ext cx="145926" cy="125258"/>
+          </a:xfrm>
+          <a:prstGeom prst="ellipse">
+            <a:avLst/>
+          </a:prstGeom>
+          <a:solidFill>
+            <a:srgbClr val="FFC000"/>
+          </a:solidFill>
+          <a:ln>
+            <a:solidFill>
+              <a:srgbClr val="FFC000"/>
+            </a:solidFill>
+          </a:ln>
+        </p:spPr>
+        <p:style>
+          <a:lnRef idx="2">
+            <a:schemeClr val="accent1">
+              <a:shade val="50000"/>
+            </a:schemeClr>
+          </a:lnRef>
+          <a:fillRef idx="1">
+            <a:schemeClr val="accent1"/>
+          </a:fillRef>
+          <a:effectRef idx="0">
+            <a:schemeClr val="accent1"/>
+          </a:effectRef>
+          <a:fontRef idx="minor">
+            <a:schemeClr val="lt1"/>
+          </a:fontRef>
+        </p:style>
+        <p:txBody>
+          <a:bodyPr rtlCol="0" anchor="ctr"/>
+          <a:lstStyle/>
+          <a:p>
+            <a:pPr algn="ctr"/>
+            <a:endParaRPr lang="ko-KR" altLang="en-US"/>
+          </a:p>
+        </p:txBody>
+      </p:sp>
+      <p:sp>
+        <p:nvSpPr>
+          <p:cNvPr id="30" name="타원 29">
+            <a:extLst>
+              <a:ext uri="{FF2B5EF4-FFF2-40B4-BE49-F238E27FC236}">
+                <a16:creationId xmlns:a16="http://schemas.microsoft.com/office/drawing/2014/main" id="{B1012C5B-983C-4B4B-BDCE-EBEE53A9F663}"/>
+              </a:ext>
+            </a:extLst>
+          </p:cNvPr>
+          <p:cNvSpPr/>
+          <p:nvPr/>
+        </p:nvSpPr>
+        <p:spPr>
+          <a:xfrm>
+            <a:off x="8488658" y="3766946"/>
+            <a:ext cx="145926" cy="125258"/>
+          </a:xfrm>
+          <a:prstGeom prst="ellipse">
+            <a:avLst/>
+          </a:prstGeom>
+          <a:solidFill>
+            <a:srgbClr val="FFC000"/>
+          </a:solidFill>
+          <a:ln>
+            <a:solidFill>
+              <a:srgbClr val="FFC000"/>
+            </a:solidFill>
+          </a:ln>
+        </p:spPr>
+        <p:style>
+          <a:lnRef idx="2">
+            <a:schemeClr val="accent1">
+              <a:shade val="50000"/>
+            </a:schemeClr>
+          </a:lnRef>
+          <a:fillRef idx="1">
+            <a:schemeClr val="accent1"/>
+          </a:fillRef>
+          <a:effectRef idx="0">
+            <a:schemeClr val="accent1"/>
+          </a:effectRef>
+          <a:fontRef idx="minor">
+            <a:schemeClr val="lt1"/>
+          </a:fontRef>
+        </p:style>
+        <p:txBody>
+          <a:bodyPr rtlCol="0" anchor="ctr"/>
+          <a:lstStyle/>
+          <a:p>
+            <a:pPr algn="ctr"/>
+            <a:endParaRPr lang="ko-KR" altLang="en-US"/>
+          </a:p>
+        </p:txBody>
+      </p:sp>
     </p:spTree>
     <p:extLst>
       <p:ext uri="{BB962C8B-B14F-4D97-AF65-F5344CB8AC3E}">
-        <p14:creationId xmlns:p14="http://schemas.microsoft.com/office/powerpoint/2010/main" val="315461"/>
+        <p14:creationId xmlns:p14="http://schemas.microsoft.com/office/powerpoint/2010/main" val="2798519434"/>
       </p:ext>
     </p:extLst>
   </p:cSld>
@@ -6839,6 +7765,178 @@
         </p:nvSpPr>
         <p:spPr/>
         <p:txBody>
+          <a:bodyPr>
+            <a:normAutofit/>
+          </a:bodyPr>
+          <a:lstStyle/>
+          <a:p>
+            <a:r>
+              <a:rPr lang="en-US" altLang="ko-KR" sz="3200" dirty="0"/>
+              <a:t>2-2. </a:t>
+            </a:r>
+            <a:r>
+              <a:rPr lang="ko-KR" altLang="en-US" sz="3200" dirty="0"/>
+              <a:t>채워 타원과 외곽선만 있는 타원 그리기</a:t>
+            </a:r>
+          </a:p>
+        </p:txBody>
+      </p:sp>
+      <p:sp>
+        <p:nvSpPr>
+          <p:cNvPr id="3" name="내용 개체 틀 2">
+            <a:extLst>
+              <a:ext uri="{FF2B5EF4-FFF2-40B4-BE49-F238E27FC236}">
+                <a16:creationId xmlns:a16="http://schemas.microsoft.com/office/drawing/2014/main" id="{768CB50F-8DCC-48D6-B9AF-F1F3FC6D984D}"/>
+              </a:ext>
+            </a:extLst>
+          </p:cNvPr>
+          <p:cNvSpPr>
+            <a:spLocks noGrp="1"/>
+          </p:cNvSpPr>
+          <p:nvPr>
+            <p:ph idx="1"/>
+          </p:nvPr>
+        </p:nvSpPr>
+        <p:spPr/>
+        <p:txBody>
+          <a:bodyPr/>
+          <a:lstStyle/>
+          <a:p>
+            <a:endParaRPr lang="ko-KR" altLang="en-US"/>
+          </a:p>
+        </p:txBody>
+      </p:sp>
+      <p:cxnSp>
+        <p:nvCxnSpPr>
+          <p:cNvPr id="4" name="직선 연결선 3">
+            <a:extLst>
+              <a:ext uri="{FF2B5EF4-FFF2-40B4-BE49-F238E27FC236}">
+                <a16:creationId xmlns:a16="http://schemas.microsoft.com/office/drawing/2014/main" id="{CC5C6F10-69FE-4C86-8775-B4181A3168D4}"/>
+              </a:ext>
+            </a:extLst>
+          </p:cNvPr>
+          <p:cNvCxnSpPr>
+            <a:cxnSpLocks/>
+          </p:cNvCxnSpPr>
+          <p:nvPr/>
+        </p:nvCxnSpPr>
+        <p:spPr>
+          <a:xfrm>
+            <a:off x="125260" y="1528175"/>
+            <a:ext cx="11924778" cy="0"/>
+          </a:xfrm>
+          <a:prstGeom prst="line">
+            <a:avLst/>
+          </a:prstGeom>
+          <a:ln w="38100"/>
+        </p:spPr>
+        <p:style>
+          <a:lnRef idx="1">
+            <a:schemeClr val="accent1"/>
+          </a:lnRef>
+          <a:fillRef idx="0">
+            <a:schemeClr val="accent1"/>
+          </a:fillRef>
+          <a:effectRef idx="0">
+            <a:schemeClr val="accent1"/>
+          </a:effectRef>
+          <a:fontRef idx="minor">
+            <a:schemeClr val="tx1"/>
+          </a:fontRef>
+        </p:style>
+      </p:cxnSp>
+      <p:cxnSp>
+        <p:nvCxnSpPr>
+          <p:cNvPr id="5" name="직선 연결선 4">
+            <a:extLst>
+              <a:ext uri="{FF2B5EF4-FFF2-40B4-BE49-F238E27FC236}">
+                <a16:creationId xmlns:a16="http://schemas.microsoft.com/office/drawing/2014/main" id="{BED49535-3BDC-49AA-B42B-3F7F65684B22}"/>
+              </a:ext>
+            </a:extLst>
+          </p:cNvPr>
+          <p:cNvCxnSpPr/>
+          <p:nvPr/>
+        </p:nvCxnSpPr>
+        <p:spPr>
+          <a:xfrm>
+            <a:off x="626301" y="365125"/>
+            <a:ext cx="0" cy="6336300"/>
+          </a:xfrm>
+          <a:prstGeom prst="line">
+            <a:avLst/>
+          </a:prstGeom>
+          <a:ln w="57150">
+            <a:solidFill>
+              <a:schemeClr val="accent4">
+                <a:lumMod val="60000"/>
+                <a:lumOff val="40000"/>
+              </a:schemeClr>
+            </a:solidFill>
+          </a:ln>
+        </p:spPr>
+        <p:style>
+          <a:lnRef idx="1">
+            <a:schemeClr val="accent1"/>
+          </a:lnRef>
+          <a:fillRef idx="0">
+            <a:schemeClr val="accent1"/>
+          </a:fillRef>
+          <a:effectRef idx="0">
+            <a:schemeClr val="accent1"/>
+          </a:effectRef>
+          <a:fontRef idx="minor">
+            <a:schemeClr val="tx1"/>
+          </a:fontRef>
+        </p:style>
+      </p:cxnSp>
+    </p:spTree>
+    <p:extLst>
+      <p:ext uri="{BB962C8B-B14F-4D97-AF65-F5344CB8AC3E}">
+        <p14:creationId xmlns:p14="http://schemas.microsoft.com/office/powerpoint/2010/main" val="315461"/>
+      </p:ext>
+    </p:extLst>
+  </p:cSld>
+  <p:clrMapOvr>
+    <a:masterClrMapping/>
+  </p:clrMapOvr>
+</p:sld>
+</file>
+
+<file path=ppt/slides/slide22.xml><?xml version="1.0" encoding="utf-8"?>
+<p:sld xmlns:a="http://schemas.openxmlformats.org/drawingml/2006/main" xmlns:r="http://schemas.openxmlformats.org/officeDocument/2006/relationships" xmlns:p="http://schemas.openxmlformats.org/presentationml/2006/main">
+  <p:cSld>
+    <p:spTree>
+      <p:nvGrpSpPr>
+        <p:cNvPr id="1" name=""/>
+        <p:cNvGrpSpPr/>
+        <p:nvPr/>
+      </p:nvGrpSpPr>
+      <p:grpSpPr>
+        <a:xfrm>
+          <a:off x="0" y="0"/>
+          <a:ext cx="0" cy="0"/>
+          <a:chOff x="0" y="0"/>
+          <a:chExt cx="0" cy="0"/>
+        </a:xfrm>
+      </p:grpSpPr>
+      <p:sp>
+        <p:nvSpPr>
+          <p:cNvPr id="2" name="제목 1">
+            <a:extLst>
+              <a:ext uri="{FF2B5EF4-FFF2-40B4-BE49-F238E27FC236}">
+                <a16:creationId xmlns:a16="http://schemas.microsoft.com/office/drawing/2014/main" id="{2D872C09-176D-4E04-A038-9AE148A6E960}"/>
+              </a:ext>
+            </a:extLst>
+          </p:cNvPr>
+          <p:cNvSpPr>
+            <a:spLocks noGrp="1"/>
+          </p:cNvSpPr>
+          <p:nvPr>
+            <p:ph type="title"/>
+          </p:nvPr>
+        </p:nvSpPr>
+        <p:spPr/>
+        <p:txBody>
           <a:bodyPr/>
           <a:lstStyle/>
           <a:p>
@@ -6967,7 +8065,7 @@
 </p:sld>
 </file>
 
-<file path=ppt/slides/slide22.xml><?xml version="1.0" encoding="utf-8"?>
+<file path=ppt/slides/slide23.xml><?xml version="1.0" encoding="utf-8"?>
 <p:sld xmlns:a="http://schemas.openxmlformats.org/drawingml/2006/main" xmlns:r="http://schemas.openxmlformats.org/officeDocument/2006/relationships" xmlns:p="http://schemas.openxmlformats.org/presentationml/2006/main">
   <p:cSld>
     <p:spTree>
